--- a/一頁式摘要.pptx
+++ b/一頁式摘要.pptx
@@ -4048,16 +4048,6 @@
           <a:lstStyle/>
           <a:p>
             <a:r>
-              <a:rPr lang="en-US" altLang="zh-TW" dirty="0">
-                <a:solidFill>
-                  <a:schemeClr val="bg2">
-                    <a:lumMod val="50000"/>
-                  </a:schemeClr>
-                </a:solidFill>
-              </a:rPr>
-              <a:t>Objective</a:t>
-            </a:r>
-            <a:r>
               <a:rPr lang="en-US" altLang="zh-TW" b="1" dirty="0">
                 <a:solidFill>
                   <a:schemeClr val="bg2">
@@ -4065,7 +4055,7 @@
                   </a:schemeClr>
                 </a:solidFill>
               </a:rPr>
-              <a:t>:</a:t>
+              <a:t>Objective:</a:t>
             </a:r>
             <a:r>
               <a:rPr lang="en-US" altLang="zh-TW" dirty="0">

--- a/一頁式摘要.pptx
+++ b/一頁式摘要.pptx
@@ -3359,144 +3359,58 @@
           </p:txBody>
         </p:sp>
       </p:grpSp>
-      <p:grpSp>
-        <p:nvGrpSpPr>
-          <p:cNvPr id="17" name="群組 16">
+      <p:sp>
+        <p:nvSpPr>
+          <p:cNvPr id="11" name="矩形 10">
             <a:extLst>
               <a:ext uri="{FF2B5EF4-FFF2-40B4-BE49-F238E27FC236}">
-                <a16:creationId xmlns:a16="http://schemas.microsoft.com/office/drawing/2014/main" id="{DD73C98C-BE0D-EB68-4AC2-71C9256FE8B1}"/>
+                <a16:creationId xmlns:a16="http://schemas.microsoft.com/office/drawing/2014/main" id="{0C46CB40-49C5-AF9E-09CA-AAC35DD99751}"/>
               </a:ext>
             </a:extLst>
           </p:cNvPr>
-          <p:cNvGrpSpPr/>
+          <p:cNvSpPr/>
           <p:nvPr/>
-        </p:nvGrpSpPr>
-        <p:grpSpPr>
+        </p:nvSpPr>
+        <p:spPr>
           <a:xfrm>
-            <a:off x="4579256" y="8544657"/>
-            <a:ext cx="7351481" cy="2847242"/>
-            <a:chOff x="4579256" y="8544657"/>
-            <a:chExt cx="7351485" cy="2847242"/>
-          </a:xfrm>
-        </p:grpSpPr>
-        <p:sp>
-          <p:nvSpPr>
-            <p:cNvPr id="11" name="矩形 10">
-              <a:extLst>
-                <a:ext uri="{FF2B5EF4-FFF2-40B4-BE49-F238E27FC236}">
-                  <a16:creationId xmlns:a16="http://schemas.microsoft.com/office/drawing/2014/main" id="{0C46CB40-49C5-AF9E-09CA-AAC35DD99751}"/>
-                </a:ext>
-              </a:extLst>
-            </p:cNvPr>
-            <p:cNvSpPr/>
-            <p:nvPr/>
-          </p:nvSpPr>
-          <p:spPr>
-            <a:xfrm>
-              <a:off x="4579256" y="9102426"/>
-              <a:ext cx="7351485" cy="2289473"/>
-            </a:xfrm>
-            <a:prstGeom prst="rect">
-              <a:avLst/>
-            </a:prstGeom>
-            <a:solidFill>
-              <a:schemeClr val="bg1"/>
-            </a:solidFill>
-            <a:ln>
-              <a:noFill/>
-            </a:ln>
-          </p:spPr>
-          <p:style>
-            <a:lnRef idx="2">
-              <a:schemeClr val="accent1">
-                <a:shade val="15000"/>
-              </a:schemeClr>
-            </a:lnRef>
-            <a:fillRef idx="1">
-              <a:schemeClr val="accent1"/>
-            </a:fillRef>
-            <a:effectRef idx="0">
-              <a:schemeClr val="accent1"/>
-            </a:effectRef>
-            <a:fontRef idx="minor">
-              <a:schemeClr val="lt1"/>
-            </a:fontRef>
-          </p:style>
-          <p:txBody>
-            <a:bodyPr rtlCol="0" anchor="ctr"/>
-            <a:lstStyle/>
-            <a:p>
-              <a:pPr algn="ctr"/>
-              <a:endParaRPr lang="zh-TW" altLang="en-US" dirty="0"/>
-            </a:p>
-          </p:txBody>
-        </p:sp>
-        <p:sp>
-          <p:nvSpPr>
-            <p:cNvPr id="16" name="矩形 15">
-              <a:extLst>
-                <a:ext uri="{FF2B5EF4-FFF2-40B4-BE49-F238E27FC236}">
-                  <a16:creationId xmlns:a16="http://schemas.microsoft.com/office/drawing/2014/main" id="{F3AE8A56-27D7-17B2-8493-C279601CBFE8}"/>
-                </a:ext>
-              </a:extLst>
-            </p:cNvPr>
-            <p:cNvSpPr/>
-            <p:nvPr/>
-          </p:nvSpPr>
-          <p:spPr>
-            <a:xfrm>
-              <a:off x="4579256" y="8544657"/>
-              <a:ext cx="7351485" cy="545070"/>
-            </a:xfrm>
-            <a:prstGeom prst="rect">
-              <a:avLst/>
-            </a:prstGeom>
-            <a:solidFill>
-              <a:schemeClr val="accent1">
-                <a:lumMod val="60000"/>
-                <a:lumOff val="40000"/>
-              </a:schemeClr>
-            </a:solidFill>
-            <a:ln>
-              <a:noFill/>
-            </a:ln>
-          </p:spPr>
-          <p:style>
-            <a:lnRef idx="2">
-              <a:schemeClr val="accent1">
-                <a:shade val="15000"/>
-              </a:schemeClr>
-            </a:lnRef>
-            <a:fillRef idx="1">
-              <a:schemeClr val="accent1"/>
-            </a:fillRef>
-            <a:effectRef idx="0">
-              <a:schemeClr val="accent1"/>
-            </a:effectRef>
-            <a:fontRef idx="minor">
-              <a:schemeClr val="lt1"/>
-            </a:fontRef>
-          </p:style>
-          <p:txBody>
-            <a:bodyPr rtlCol="0" anchor="ctr"/>
-            <a:lstStyle/>
-            <a:p>
-              <a:r>
-                <a:rPr lang="en-US" altLang="zh-TW" sz="2400" b="1" dirty="0">
-                  <a:latin typeface="Microsoft YaHei Light" panose="020B0502040204020203" pitchFamily="34" charset="-122"/>
-                  <a:ea typeface="Microsoft YaHei Light" panose="020B0502040204020203" pitchFamily="34" charset="-122"/>
-                </a:rPr>
-                <a:t>③</a:t>
-              </a:r>
-              <a:r>
-                <a:rPr lang="en-US" altLang="zh-TW" sz="2400" b="1" dirty="0"/>
-                <a:t> Research in context</a:t>
-              </a:r>
-              <a:endParaRPr lang="zh-TW" altLang="en-US" sz="2400" b="1" dirty="0"/>
-            </a:p>
-          </p:txBody>
-        </p:sp>
-      </p:grpSp>
+            <a:off x="4579256" y="9100449"/>
+            <a:ext cx="7351481" cy="2265421"/>
+          </a:xfrm>
+          <a:prstGeom prst="rect">
+            <a:avLst/>
+          </a:prstGeom>
+          <a:solidFill>
+            <a:schemeClr val="bg1"/>
+          </a:solidFill>
+          <a:ln>
+            <a:noFill/>
+          </a:ln>
+        </p:spPr>
+        <p:style>
+          <a:lnRef idx="2">
+            <a:schemeClr val="accent1">
+              <a:shade val="15000"/>
+            </a:schemeClr>
+          </a:lnRef>
+          <a:fillRef idx="1">
+            <a:schemeClr val="accent1"/>
+          </a:fillRef>
+          <a:effectRef idx="0">
+            <a:schemeClr val="accent1"/>
+          </a:effectRef>
+          <a:fontRef idx="minor">
+            <a:schemeClr val="lt1"/>
+          </a:fontRef>
+        </p:style>
+        <p:txBody>
+          <a:bodyPr rtlCol="0" anchor="ctr"/>
+          <a:lstStyle/>
+          <a:p>
+            <a:pPr algn="ctr"/>
+            <a:endParaRPr lang="zh-TW" altLang="en-US" dirty="0"/>
+          </a:p>
+        </p:txBody>
+      </p:sp>
       <p:pic>
         <p:nvPicPr>
           <p:cNvPr id="1028" name="Picture 4" descr="Warning-Sign Icons - Free SVG &amp; PNG Warning-Sign Images - Noun Project">
@@ -4493,8 +4407,8 @@
         </p:nvSpPr>
         <p:spPr>
           <a:xfrm rot="16200000">
-            <a:off x="8092601" y="9399859"/>
-            <a:ext cx="2211505" cy="1749551"/>
+            <a:off x="8058386" y="9351127"/>
+            <a:ext cx="2279937" cy="1749551"/>
           </a:xfrm>
           <a:prstGeom prst="flowChartOffpageConnector">
             <a:avLst/>
@@ -4545,8 +4459,8 @@
         </p:nvSpPr>
         <p:spPr>
           <a:xfrm rot="16200000">
-            <a:off x="6928937" y="9405615"/>
-            <a:ext cx="2223013" cy="1749551"/>
+            <a:off x="6900476" y="9362637"/>
+            <a:ext cx="2279939" cy="1749551"/>
           </a:xfrm>
           <a:prstGeom prst="flowChartOffpageConnector">
             <a:avLst/>
@@ -4579,7 +4493,7 @@
           <a:lstStyle/>
           <a:p>
             <a:pPr algn="ctr"/>
-            <a:endParaRPr lang="zh-TW" altLang="en-US"/>
+            <a:endParaRPr lang="zh-TW" altLang="en-US" dirty="0"/>
           </a:p>
         </p:txBody>
       </p:sp>
@@ -4597,8 +4511,8 @@
         </p:nvSpPr>
         <p:spPr>
           <a:xfrm rot="16200000">
-            <a:off x="5638241" y="9455486"/>
-            <a:ext cx="2287704" cy="1562100"/>
+            <a:off x="5647877" y="9450608"/>
+            <a:ext cx="2268432" cy="1562100"/>
           </a:xfrm>
           <a:prstGeom prst="flowChartOffpageConnector">
             <a:avLst/>
@@ -4652,8 +4566,8 @@
         </p:nvSpPr>
         <p:spPr>
           <a:xfrm rot="16200000">
-            <a:off x="4441369" y="9241964"/>
-            <a:ext cx="2287702" cy="2012165"/>
+            <a:off x="4445251" y="9231330"/>
+            <a:ext cx="2279941" cy="2012165"/>
           </a:xfrm>
           <a:prstGeom prst="flowChartOffpageConnector">
             <a:avLst/>
@@ -4980,6 +4894,71 @@
                 </a:schemeClr>
               </a:solidFill>
             </a:endParaRPr>
+          </a:p>
+        </p:txBody>
+      </p:sp>
+      <p:sp>
+        <p:nvSpPr>
+          <p:cNvPr id="16" name="矩形 15">
+            <a:extLst>
+              <a:ext uri="{FF2B5EF4-FFF2-40B4-BE49-F238E27FC236}">
+                <a16:creationId xmlns:a16="http://schemas.microsoft.com/office/drawing/2014/main" id="{F3AE8A56-27D7-17B2-8493-C279601CBFE8}"/>
+              </a:ext>
+            </a:extLst>
+          </p:cNvPr>
+          <p:cNvSpPr/>
+          <p:nvPr/>
+        </p:nvSpPr>
+        <p:spPr>
+          <a:xfrm>
+            <a:off x="4579256" y="8544656"/>
+            <a:ext cx="7351481" cy="557649"/>
+          </a:xfrm>
+          <a:prstGeom prst="rect">
+            <a:avLst/>
+          </a:prstGeom>
+          <a:solidFill>
+            <a:schemeClr val="accent1">
+              <a:lumMod val="60000"/>
+              <a:lumOff val="40000"/>
+            </a:schemeClr>
+          </a:solidFill>
+          <a:ln>
+            <a:noFill/>
+          </a:ln>
+        </p:spPr>
+        <p:style>
+          <a:lnRef idx="2">
+            <a:schemeClr val="accent1">
+              <a:shade val="15000"/>
+            </a:schemeClr>
+          </a:lnRef>
+          <a:fillRef idx="1">
+            <a:schemeClr val="accent1"/>
+          </a:fillRef>
+          <a:effectRef idx="0">
+            <a:schemeClr val="accent1"/>
+          </a:effectRef>
+          <a:fontRef idx="minor">
+            <a:schemeClr val="lt1"/>
+          </a:fontRef>
+        </p:style>
+        <p:txBody>
+          <a:bodyPr rtlCol="0" anchor="ctr"/>
+          <a:lstStyle/>
+          <a:p>
+            <a:r>
+              <a:rPr lang="en-US" altLang="zh-TW" sz="2400" b="1" dirty="0">
+                <a:latin typeface="Microsoft YaHei Light" panose="020B0502040204020203" pitchFamily="34" charset="-122"/>
+                <a:ea typeface="Microsoft YaHei Light" panose="020B0502040204020203" pitchFamily="34" charset="-122"/>
+              </a:rPr>
+              <a:t>③</a:t>
+            </a:r>
+            <a:r>
+              <a:rPr lang="en-US" altLang="zh-TW" sz="2400" b="1" dirty="0"/>
+              <a:t> Research in context</a:t>
+            </a:r>
+            <a:endParaRPr lang="zh-TW" altLang="en-US" sz="2400" b="1" dirty="0"/>
           </a:p>
         </p:txBody>
       </p:sp>

--- a/一頁式摘要.pptx
+++ b/一頁式摘要.pptx
@@ -243,7 +243,7 @@
           <a:p>
             <a:fld id="{93625C2B-7C71-43CD-AE88-1635E0A4F3F1}" type="datetimeFigureOut">
               <a:rPr lang="zh-TW" altLang="en-US" smtClean="0"/>
-              <a:t>2025/12/22</a:t>
+              <a:t>2025/12/23</a:t>
             </a:fld>
             <a:endParaRPr lang="zh-TW" altLang="en-US"/>
           </a:p>
@@ -413,7 +413,7 @@
           <a:p>
             <a:fld id="{93625C2B-7C71-43CD-AE88-1635E0A4F3F1}" type="datetimeFigureOut">
               <a:rPr lang="zh-TW" altLang="en-US" smtClean="0"/>
-              <a:t>2025/12/22</a:t>
+              <a:t>2025/12/23</a:t>
             </a:fld>
             <a:endParaRPr lang="zh-TW" altLang="en-US"/>
           </a:p>
@@ -593,7 +593,7 @@
           <a:p>
             <a:fld id="{93625C2B-7C71-43CD-AE88-1635E0A4F3F1}" type="datetimeFigureOut">
               <a:rPr lang="zh-TW" altLang="en-US" smtClean="0"/>
-              <a:t>2025/12/22</a:t>
+              <a:t>2025/12/23</a:t>
             </a:fld>
             <a:endParaRPr lang="zh-TW" altLang="en-US"/>
           </a:p>
@@ -763,7 +763,7 @@
           <a:p>
             <a:fld id="{93625C2B-7C71-43CD-AE88-1635E0A4F3F1}" type="datetimeFigureOut">
               <a:rPr lang="zh-TW" altLang="en-US" smtClean="0"/>
-              <a:t>2025/12/22</a:t>
+              <a:t>2025/12/23</a:t>
             </a:fld>
             <a:endParaRPr lang="zh-TW" altLang="en-US"/>
           </a:p>
@@ -1009,7 +1009,7 @@
           <a:p>
             <a:fld id="{93625C2B-7C71-43CD-AE88-1635E0A4F3F1}" type="datetimeFigureOut">
               <a:rPr lang="zh-TW" altLang="en-US" smtClean="0"/>
-              <a:t>2025/12/22</a:t>
+              <a:t>2025/12/23</a:t>
             </a:fld>
             <a:endParaRPr lang="zh-TW" altLang="en-US"/>
           </a:p>
@@ -1241,7 +1241,7 @@
           <a:p>
             <a:fld id="{93625C2B-7C71-43CD-AE88-1635E0A4F3F1}" type="datetimeFigureOut">
               <a:rPr lang="zh-TW" altLang="en-US" smtClean="0"/>
-              <a:t>2025/12/22</a:t>
+              <a:t>2025/12/23</a:t>
             </a:fld>
             <a:endParaRPr lang="zh-TW" altLang="en-US"/>
           </a:p>
@@ -1608,7 +1608,7 @@
           <a:p>
             <a:fld id="{93625C2B-7C71-43CD-AE88-1635E0A4F3F1}" type="datetimeFigureOut">
               <a:rPr lang="zh-TW" altLang="en-US" smtClean="0"/>
-              <a:t>2025/12/22</a:t>
+              <a:t>2025/12/23</a:t>
             </a:fld>
             <a:endParaRPr lang="zh-TW" altLang="en-US"/>
           </a:p>
@@ -1726,7 +1726,7 @@
           <a:p>
             <a:fld id="{93625C2B-7C71-43CD-AE88-1635E0A4F3F1}" type="datetimeFigureOut">
               <a:rPr lang="zh-TW" altLang="en-US" smtClean="0"/>
-              <a:t>2025/12/22</a:t>
+              <a:t>2025/12/23</a:t>
             </a:fld>
             <a:endParaRPr lang="zh-TW" altLang="en-US"/>
           </a:p>
@@ -1821,7 +1821,7 @@
           <a:p>
             <a:fld id="{93625C2B-7C71-43CD-AE88-1635E0A4F3F1}" type="datetimeFigureOut">
               <a:rPr lang="zh-TW" altLang="en-US" smtClean="0"/>
-              <a:t>2025/12/22</a:t>
+              <a:t>2025/12/23</a:t>
             </a:fld>
             <a:endParaRPr lang="zh-TW" altLang="en-US"/>
           </a:p>
@@ -2098,7 +2098,7 @@
           <a:p>
             <a:fld id="{93625C2B-7C71-43CD-AE88-1635E0A4F3F1}" type="datetimeFigureOut">
               <a:rPr lang="zh-TW" altLang="en-US" smtClean="0"/>
-              <a:t>2025/12/22</a:t>
+              <a:t>2025/12/23</a:t>
             </a:fld>
             <a:endParaRPr lang="zh-TW" altLang="en-US"/>
           </a:p>
@@ -2355,7 +2355,7 @@
           <a:p>
             <a:fld id="{93625C2B-7C71-43CD-AE88-1635E0A4F3F1}" type="datetimeFigureOut">
               <a:rPr lang="zh-TW" altLang="en-US" smtClean="0"/>
-              <a:t>2025/12/22</a:t>
+              <a:t>2025/12/23</a:t>
             </a:fld>
             <a:endParaRPr lang="zh-TW" altLang="en-US"/>
           </a:p>
@@ -2568,7 +2568,7 @@
           <a:p>
             <a:fld id="{93625C2B-7C71-43CD-AE88-1635E0A4F3F1}" type="datetimeFigureOut">
               <a:rPr lang="zh-TW" altLang="en-US" smtClean="0"/>
-              <a:t>2025/12/22</a:t>
+              <a:t>2025/12/23</a:t>
             </a:fld>
             <a:endParaRPr lang="zh-TW" altLang="en-US"/>
           </a:p>
@@ -4962,6 +4962,42 @@
           </a:p>
         </p:txBody>
       </p:sp>
+      <p:pic>
+        <p:nvPicPr>
+          <p:cNvPr id="13" name="圖形 12">
+            <a:extLst>
+              <a:ext uri="{FF2B5EF4-FFF2-40B4-BE49-F238E27FC236}">
+                <a16:creationId xmlns:a16="http://schemas.microsoft.com/office/drawing/2014/main" id="{452B90B1-C91A-6E93-C422-048EF26B97F5}"/>
+              </a:ext>
+            </a:extLst>
+          </p:cNvPr>
+          <p:cNvPicPr>
+            <a:picLocks noChangeAspect="1"/>
+          </p:cNvPicPr>
+          <p:nvPr/>
+        </p:nvPicPr>
+        <p:blipFill>
+          <a:blip r:embed="rId5">
+            <a:extLst>
+              <a:ext uri="{96DAC541-7B7A-43D3-8B79-37D633B846F1}">
+                <asvg:svgBlip xmlns:asvg="http://schemas.microsoft.com/office/drawing/2016/SVG/main" r:embed="rId6"/>
+              </a:ext>
+            </a:extLst>
+          </a:blip>
+          <a:stretch>
+            <a:fillRect/>
+          </a:stretch>
+        </p:blipFill>
+        <p:spPr>
+          <a:xfrm>
+            <a:off x="9635762" y="407184"/>
+            <a:ext cx="2019210" cy="1346140"/>
+          </a:xfrm>
+          <a:prstGeom prst="rect">
+            <a:avLst/>
+          </a:prstGeom>
+        </p:spPr>
+      </p:pic>
     </p:spTree>
     <p:extLst>
       <p:ext uri="{BB962C8B-B14F-4D97-AF65-F5344CB8AC3E}">
